--- a/Holiday Planner.pptx
+++ b/Holiday Planner.pptx
@@ -131,7 +131,7 @@
           <p:cNvPr id="2" name="Title 1">
             <a:extLst>
               <a:ext uri="{FF2B5EF4-FFF2-40B4-BE49-F238E27FC236}">
-                <a16:creationId xmlns:a16="http://schemas.microsoft.com/office/drawing/2014/main" id="{80488DAE-A55A-40FE-9214-3FBE87F5D238}"/>
+                <a16:creationId xmlns:a16="http://schemas.microsoft.com/office/drawing/2014/main" xmlns="" id="{80488DAE-A55A-40FE-9214-3FBE87F5D238}"/>
               </a:ext>
             </a:extLst>
           </p:cNvPr>
@@ -169,7 +169,7 @@
           <p:cNvPr id="3" name="Subtitle 2">
             <a:extLst>
               <a:ext uri="{FF2B5EF4-FFF2-40B4-BE49-F238E27FC236}">
-                <a16:creationId xmlns:a16="http://schemas.microsoft.com/office/drawing/2014/main" id="{51D752A3-725F-42D2-B7B1-C72F6868DA67}"/>
+                <a16:creationId xmlns:a16="http://schemas.microsoft.com/office/drawing/2014/main" xmlns="" id="{51D752A3-725F-42D2-B7B1-C72F6868DA67}"/>
               </a:ext>
             </a:extLst>
           </p:cNvPr>
@@ -240,7 +240,7 @@
           <p:cNvPr id="4" name="Date Placeholder 3">
             <a:extLst>
               <a:ext uri="{FF2B5EF4-FFF2-40B4-BE49-F238E27FC236}">
-                <a16:creationId xmlns:a16="http://schemas.microsoft.com/office/drawing/2014/main" id="{B48D52AE-AD86-4260-A7C8-C07C1536AD04}"/>
+                <a16:creationId xmlns:a16="http://schemas.microsoft.com/office/drawing/2014/main" xmlns="" id="{B48D52AE-AD86-4260-A7C8-C07C1536AD04}"/>
               </a:ext>
             </a:extLst>
           </p:cNvPr>
@@ -269,7 +269,7 @@
           <p:cNvPr id="5" name="Footer Placeholder 4">
             <a:extLst>
               <a:ext uri="{FF2B5EF4-FFF2-40B4-BE49-F238E27FC236}">
-                <a16:creationId xmlns:a16="http://schemas.microsoft.com/office/drawing/2014/main" id="{12C6EF49-56E5-4DDC-AEB5-4C9D1D2A5E6E}"/>
+                <a16:creationId xmlns:a16="http://schemas.microsoft.com/office/drawing/2014/main" xmlns="" id="{12C6EF49-56E5-4DDC-AEB5-4C9D1D2A5E6E}"/>
               </a:ext>
             </a:extLst>
           </p:cNvPr>
@@ -294,7 +294,7 @@
           <p:cNvPr id="6" name="Slide Number Placeholder 5">
             <a:extLst>
               <a:ext uri="{FF2B5EF4-FFF2-40B4-BE49-F238E27FC236}">
-                <a16:creationId xmlns:a16="http://schemas.microsoft.com/office/drawing/2014/main" id="{DDA56B42-0D7A-4A8A-A124-36C5E8B32B59}"/>
+                <a16:creationId xmlns:a16="http://schemas.microsoft.com/office/drawing/2014/main" xmlns="" id="{DDA56B42-0D7A-4A8A-A124-36C5E8B32B59}"/>
               </a:ext>
             </a:extLst>
           </p:cNvPr>
@@ -353,7 +353,7 @@
           <p:cNvPr id="2" name="Title 1">
             <a:extLst>
               <a:ext uri="{FF2B5EF4-FFF2-40B4-BE49-F238E27FC236}">
-                <a16:creationId xmlns:a16="http://schemas.microsoft.com/office/drawing/2014/main" id="{F1EFB061-EC9B-477C-A290-98E5E0794FAE}"/>
+                <a16:creationId xmlns:a16="http://schemas.microsoft.com/office/drawing/2014/main" xmlns="" id="{F1EFB061-EC9B-477C-A290-98E5E0794FAE}"/>
               </a:ext>
             </a:extLst>
           </p:cNvPr>
@@ -382,7 +382,7 @@
           <p:cNvPr id="3" name="Vertical Text Placeholder 2">
             <a:extLst>
               <a:ext uri="{FF2B5EF4-FFF2-40B4-BE49-F238E27FC236}">
-                <a16:creationId xmlns:a16="http://schemas.microsoft.com/office/drawing/2014/main" id="{2CFAE9AA-3D93-452F-9F6B-46E7D63F86CC}"/>
+                <a16:creationId xmlns:a16="http://schemas.microsoft.com/office/drawing/2014/main" xmlns="" id="{2CFAE9AA-3D93-452F-9F6B-46E7D63F86CC}"/>
               </a:ext>
             </a:extLst>
           </p:cNvPr>
@@ -440,7 +440,7 @@
           <p:cNvPr id="4" name="Date Placeholder 3">
             <a:extLst>
               <a:ext uri="{FF2B5EF4-FFF2-40B4-BE49-F238E27FC236}">
-                <a16:creationId xmlns:a16="http://schemas.microsoft.com/office/drawing/2014/main" id="{79233729-7DE2-4177-B19A-CC6A99DA9C02}"/>
+                <a16:creationId xmlns:a16="http://schemas.microsoft.com/office/drawing/2014/main" xmlns="" id="{79233729-7DE2-4177-B19A-CC6A99DA9C02}"/>
               </a:ext>
             </a:extLst>
           </p:cNvPr>
@@ -469,7 +469,7 @@
           <p:cNvPr id="5" name="Footer Placeholder 4">
             <a:extLst>
               <a:ext uri="{FF2B5EF4-FFF2-40B4-BE49-F238E27FC236}">
-                <a16:creationId xmlns:a16="http://schemas.microsoft.com/office/drawing/2014/main" id="{1C95C597-E644-4CAF-9A6B-738EED417D2C}"/>
+                <a16:creationId xmlns:a16="http://schemas.microsoft.com/office/drawing/2014/main" xmlns="" id="{1C95C597-E644-4CAF-9A6B-738EED417D2C}"/>
               </a:ext>
             </a:extLst>
           </p:cNvPr>
@@ -494,7 +494,7 @@
           <p:cNvPr id="6" name="Slide Number Placeholder 5">
             <a:extLst>
               <a:ext uri="{FF2B5EF4-FFF2-40B4-BE49-F238E27FC236}">
-                <a16:creationId xmlns:a16="http://schemas.microsoft.com/office/drawing/2014/main" id="{DFC2E541-B754-4826-ABE7-D33B0D371D67}"/>
+                <a16:creationId xmlns:a16="http://schemas.microsoft.com/office/drawing/2014/main" xmlns="" id="{DFC2E541-B754-4826-ABE7-D33B0D371D67}"/>
               </a:ext>
             </a:extLst>
           </p:cNvPr>
@@ -553,7 +553,7 @@
           <p:cNvPr id="2" name="Vertical Title 1">
             <a:extLst>
               <a:ext uri="{FF2B5EF4-FFF2-40B4-BE49-F238E27FC236}">
-                <a16:creationId xmlns:a16="http://schemas.microsoft.com/office/drawing/2014/main" id="{8FE4FCF8-10D4-4FB8-97E7-09C7643BE9B9}"/>
+                <a16:creationId xmlns:a16="http://schemas.microsoft.com/office/drawing/2014/main" xmlns="" id="{8FE4FCF8-10D4-4FB8-97E7-09C7643BE9B9}"/>
               </a:ext>
             </a:extLst>
           </p:cNvPr>
@@ -587,7 +587,7 @@
           <p:cNvPr id="3" name="Vertical Text Placeholder 2">
             <a:extLst>
               <a:ext uri="{FF2B5EF4-FFF2-40B4-BE49-F238E27FC236}">
-                <a16:creationId xmlns:a16="http://schemas.microsoft.com/office/drawing/2014/main" id="{04562569-4CC5-4FFD-B246-22FA14507E84}"/>
+                <a16:creationId xmlns:a16="http://schemas.microsoft.com/office/drawing/2014/main" xmlns="" id="{04562569-4CC5-4FFD-B246-22FA14507E84}"/>
               </a:ext>
             </a:extLst>
           </p:cNvPr>
@@ -650,7 +650,7 @@
           <p:cNvPr id="4" name="Date Placeholder 3">
             <a:extLst>
               <a:ext uri="{FF2B5EF4-FFF2-40B4-BE49-F238E27FC236}">
-                <a16:creationId xmlns:a16="http://schemas.microsoft.com/office/drawing/2014/main" id="{F9E50170-E20C-4859-97CD-97D696A2E81A}"/>
+                <a16:creationId xmlns:a16="http://schemas.microsoft.com/office/drawing/2014/main" xmlns="" id="{F9E50170-E20C-4859-97CD-97D696A2E81A}"/>
               </a:ext>
             </a:extLst>
           </p:cNvPr>
@@ -679,7 +679,7 @@
           <p:cNvPr id="5" name="Footer Placeholder 4">
             <a:extLst>
               <a:ext uri="{FF2B5EF4-FFF2-40B4-BE49-F238E27FC236}">
-                <a16:creationId xmlns:a16="http://schemas.microsoft.com/office/drawing/2014/main" id="{048A1AD0-9B1D-42E7-8E7A-C00837B4D150}"/>
+                <a16:creationId xmlns:a16="http://schemas.microsoft.com/office/drawing/2014/main" xmlns="" id="{048A1AD0-9B1D-42E7-8E7A-C00837B4D150}"/>
               </a:ext>
             </a:extLst>
           </p:cNvPr>
@@ -704,7 +704,7 @@
           <p:cNvPr id="6" name="Slide Number Placeholder 5">
             <a:extLst>
               <a:ext uri="{FF2B5EF4-FFF2-40B4-BE49-F238E27FC236}">
-                <a16:creationId xmlns:a16="http://schemas.microsoft.com/office/drawing/2014/main" id="{73E6B8ED-1776-434A-924C-E4F8A80CDC17}"/>
+                <a16:creationId xmlns:a16="http://schemas.microsoft.com/office/drawing/2014/main" xmlns="" id="{73E6B8ED-1776-434A-924C-E4F8A80CDC17}"/>
               </a:ext>
             </a:extLst>
           </p:cNvPr>
@@ -763,7 +763,7 @@
           <p:cNvPr id="2" name="Title 1">
             <a:extLst>
               <a:ext uri="{FF2B5EF4-FFF2-40B4-BE49-F238E27FC236}">
-                <a16:creationId xmlns:a16="http://schemas.microsoft.com/office/drawing/2014/main" id="{D963143D-8FB6-439E-B517-D73BEA5E8C2A}"/>
+                <a16:creationId xmlns:a16="http://schemas.microsoft.com/office/drawing/2014/main" xmlns="" id="{D963143D-8FB6-439E-B517-D73BEA5E8C2A}"/>
               </a:ext>
             </a:extLst>
           </p:cNvPr>
@@ -792,7 +792,7 @@
           <p:cNvPr id="3" name="Content Placeholder 2">
             <a:extLst>
               <a:ext uri="{FF2B5EF4-FFF2-40B4-BE49-F238E27FC236}">
-                <a16:creationId xmlns:a16="http://schemas.microsoft.com/office/drawing/2014/main" id="{4228D0B8-E512-4150-ADDD-15EA179976F0}"/>
+                <a16:creationId xmlns:a16="http://schemas.microsoft.com/office/drawing/2014/main" xmlns="" id="{4228D0B8-E512-4150-ADDD-15EA179976F0}"/>
               </a:ext>
             </a:extLst>
           </p:cNvPr>
@@ -850,7 +850,7 @@
           <p:cNvPr id="4" name="Date Placeholder 3">
             <a:extLst>
               <a:ext uri="{FF2B5EF4-FFF2-40B4-BE49-F238E27FC236}">
-                <a16:creationId xmlns:a16="http://schemas.microsoft.com/office/drawing/2014/main" id="{B90BD657-2818-49AE-B544-AFF60C034E30}"/>
+                <a16:creationId xmlns:a16="http://schemas.microsoft.com/office/drawing/2014/main" xmlns="" id="{B90BD657-2818-49AE-B544-AFF60C034E30}"/>
               </a:ext>
             </a:extLst>
           </p:cNvPr>
@@ -879,7 +879,7 @@
           <p:cNvPr id="5" name="Footer Placeholder 4">
             <a:extLst>
               <a:ext uri="{FF2B5EF4-FFF2-40B4-BE49-F238E27FC236}">
-                <a16:creationId xmlns:a16="http://schemas.microsoft.com/office/drawing/2014/main" id="{C94F4306-292E-43B7-807E-81822CE4DA70}"/>
+                <a16:creationId xmlns:a16="http://schemas.microsoft.com/office/drawing/2014/main" xmlns="" id="{C94F4306-292E-43B7-807E-81822CE4DA70}"/>
               </a:ext>
             </a:extLst>
           </p:cNvPr>
@@ -904,7 +904,7 @@
           <p:cNvPr id="6" name="Slide Number Placeholder 5">
             <a:extLst>
               <a:ext uri="{FF2B5EF4-FFF2-40B4-BE49-F238E27FC236}">
-                <a16:creationId xmlns:a16="http://schemas.microsoft.com/office/drawing/2014/main" id="{6A774C33-90AE-494D-8ECB-97074BD2EFE2}"/>
+                <a16:creationId xmlns:a16="http://schemas.microsoft.com/office/drawing/2014/main" xmlns="" id="{6A774C33-90AE-494D-8ECB-97074BD2EFE2}"/>
               </a:ext>
             </a:extLst>
           </p:cNvPr>
@@ -963,7 +963,7 @@
           <p:cNvPr id="2" name="Title 1">
             <a:extLst>
               <a:ext uri="{FF2B5EF4-FFF2-40B4-BE49-F238E27FC236}">
-                <a16:creationId xmlns:a16="http://schemas.microsoft.com/office/drawing/2014/main" id="{E3847DC6-C308-4B77-A57F-E4EA735A19E3}"/>
+                <a16:creationId xmlns:a16="http://schemas.microsoft.com/office/drawing/2014/main" xmlns="" id="{E3847DC6-C308-4B77-A57F-E4EA735A19E3}"/>
               </a:ext>
             </a:extLst>
           </p:cNvPr>
@@ -1001,7 +1001,7 @@
           <p:cNvPr id="3" name="Text Placeholder 2">
             <a:extLst>
               <a:ext uri="{FF2B5EF4-FFF2-40B4-BE49-F238E27FC236}">
-                <a16:creationId xmlns:a16="http://schemas.microsoft.com/office/drawing/2014/main" id="{350FA8CD-FCCB-4BC2-90C6-185789D353F1}"/>
+                <a16:creationId xmlns:a16="http://schemas.microsoft.com/office/drawing/2014/main" xmlns="" id="{350FA8CD-FCCB-4BC2-90C6-185789D353F1}"/>
               </a:ext>
             </a:extLst>
           </p:cNvPr>
@@ -1126,7 +1126,7 @@
           <p:cNvPr id="4" name="Date Placeholder 3">
             <a:extLst>
               <a:ext uri="{FF2B5EF4-FFF2-40B4-BE49-F238E27FC236}">
-                <a16:creationId xmlns:a16="http://schemas.microsoft.com/office/drawing/2014/main" id="{DE786A30-B468-4ACB-BE63-4F054EC78EF6}"/>
+                <a16:creationId xmlns:a16="http://schemas.microsoft.com/office/drawing/2014/main" xmlns="" id="{DE786A30-B468-4ACB-BE63-4F054EC78EF6}"/>
               </a:ext>
             </a:extLst>
           </p:cNvPr>
@@ -1155,7 +1155,7 @@
           <p:cNvPr id="5" name="Footer Placeholder 4">
             <a:extLst>
               <a:ext uri="{FF2B5EF4-FFF2-40B4-BE49-F238E27FC236}">
-                <a16:creationId xmlns:a16="http://schemas.microsoft.com/office/drawing/2014/main" id="{B42BD972-2A46-4FA2-849D-2093CAF99596}"/>
+                <a16:creationId xmlns:a16="http://schemas.microsoft.com/office/drawing/2014/main" xmlns="" id="{B42BD972-2A46-4FA2-849D-2093CAF99596}"/>
               </a:ext>
             </a:extLst>
           </p:cNvPr>
@@ -1180,7 +1180,7 @@
           <p:cNvPr id="6" name="Slide Number Placeholder 5">
             <a:extLst>
               <a:ext uri="{FF2B5EF4-FFF2-40B4-BE49-F238E27FC236}">
-                <a16:creationId xmlns:a16="http://schemas.microsoft.com/office/drawing/2014/main" id="{DC9739FD-9E79-45E0-812D-53617EB29F82}"/>
+                <a16:creationId xmlns:a16="http://schemas.microsoft.com/office/drawing/2014/main" xmlns="" id="{DC9739FD-9E79-45E0-812D-53617EB29F82}"/>
               </a:ext>
             </a:extLst>
           </p:cNvPr>
@@ -1239,7 +1239,7 @@
           <p:cNvPr id="2" name="Title 1">
             <a:extLst>
               <a:ext uri="{FF2B5EF4-FFF2-40B4-BE49-F238E27FC236}">
-                <a16:creationId xmlns:a16="http://schemas.microsoft.com/office/drawing/2014/main" id="{CEDADAAA-0A1B-467A-8CB4-543E4B0CD8B5}"/>
+                <a16:creationId xmlns:a16="http://schemas.microsoft.com/office/drawing/2014/main" xmlns="" id="{CEDADAAA-0A1B-467A-8CB4-543E4B0CD8B5}"/>
               </a:ext>
             </a:extLst>
           </p:cNvPr>
@@ -1268,7 +1268,7 @@
           <p:cNvPr id="3" name="Content Placeholder 2">
             <a:extLst>
               <a:ext uri="{FF2B5EF4-FFF2-40B4-BE49-F238E27FC236}">
-                <a16:creationId xmlns:a16="http://schemas.microsoft.com/office/drawing/2014/main" id="{012E7239-0893-4E6F-A933-82625D1BDEEF}"/>
+                <a16:creationId xmlns:a16="http://schemas.microsoft.com/office/drawing/2014/main" xmlns="" id="{012E7239-0893-4E6F-A933-82625D1BDEEF}"/>
               </a:ext>
             </a:extLst>
           </p:cNvPr>
@@ -1331,7 +1331,7 @@
           <p:cNvPr id="4" name="Content Placeholder 3">
             <a:extLst>
               <a:ext uri="{FF2B5EF4-FFF2-40B4-BE49-F238E27FC236}">
-                <a16:creationId xmlns:a16="http://schemas.microsoft.com/office/drawing/2014/main" id="{5B40B8EA-D0EA-4A8B-9C6A-4C987044AF48}"/>
+                <a16:creationId xmlns:a16="http://schemas.microsoft.com/office/drawing/2014/main" xmlns="" id="{5B40B8EA-D0EA-4A8B-9C6A-4C987044AF48}"/>
               </a:ext>
             </a:extLst>
           </p:cNvPr>
@@ -1394,7 +1394,7 @@
           <p:cNvPr id="5" name="Date Placeholder 4">
             <a:extLst>
               <a:ext uri="{FF2B5EF4-FFF2-40B4-BE49-F238E27FC236}">
-                <a16:creationId xmlns:a16="http://schemas.microsoft.com/office/drawing/2014/main" id="{8BCAC251-4DF7-4CF5-87F5-07B5FE4EB6B0}"/>
+                <a16:creationId xmlns:a16="http://schemas.microsoft.com/office/drawing/2014/main" xmlns="" id="{8BCAC251-4DF7-4CF5-87F5-07B5FE4EB6B0}"/>
               </a:ext>
             </a:extLst>
           </p:cNvPr>
@@ -1423,7 +1423,7 @@
           <p:cNvPr id="6" name="Footer Placeholder 5">
             <a:extLst>
               <a:ext uri="{FF2B5EF4-FFF2-40B4-BE49-F238E27FC236}">
-                <a16:creationId xmlns:a16="http://schemas.microsoft.com/office/drawing/2014/main" id="{F90DC73E-92DD-47B5-960D-D2C4C8DE00CE}"/>
+                <a16:creationId xmlns:a16="http://schemas.microsoft.com/office/drawing/2014/main" xmlns="" id="{F90DC73E-92DD-47B5-960D-D2C4C8DE00CE}"/>
               </a:ext>
             </a:extLst>
           </p:cNvPr>
@@ -1448,7 +1448,7 @@
           <p:cNvPr id="7" name="Slide Number Placeholder 6">
             <a:extLst>
               <a:ext uri="{FF2B5EF4-FFF2-40B4-BE49-F238E27FC236}">
-                <a16:creationId xmlns:a16="http://schemas.microsoft.com/office/drawing/2014/main" id="{D418B5D4-0D49-481C-9804-9FB5D39ED259}"/>
+                <a16:creationId xmlns:a16="http://schemas.microsoft.com/office/drawing/2014/main" xmlns="" id="{D418B5D4-0D49-481C-9804-9FB5D39ED259}"/>
               </a:ext>
             </a:extLst>
           </p:cNvPr>
@@ -1507,7 +1507,7 @@
           <p:cNvPr id="2" name="Title 1">
             <a:extLst>
               <a:ext uri="{FF2B5EF4-FFF2-40B4-BE49-F238E27FC236}">
-                <a16:creationId xmlns:a16="http://schemas.microsoft.com/office/drawing/2014/main" id="{9EA245DE-4F78-4717-9884-58B4B14B70C3}"/>
+                <a16:creationId xmlns:a16="http://schemas.microsoft.com/office/drawing/2014/main" xmlns="" id="{9EA245DE-4F78-4717-9884-58B4B14B70C3}"/>
               </a:ext>
             </a:extLst>
           </p:cNvPr>
@@ -1541,7 +1541,7 @@
           <p:cNvPr id="3" name="Text Placeholder 2">
             <a:extLst>
               <a:ext uri="{FF2B5EF4-FFF2-40B4-BE49-F238E27FC236}">
-                <a16:creationId xmlns:a16="http://schemas.microsoft.com/office/drawing/2014/main" id="{51B6E8E7-5B75-4A18-96A1-37AF9B680926}"/>
+                <a16:creationId xmlns:a16="http://schemas.microsoft.com/office/drawing/2014/main" xmlns="" id="{51B6E8E7-5B75-4A18-96A1-37AF9B680926}"/>
               </a:ext>
             </a:extLst>
           </p:cNvPr>
@@ -1612,7 +1612,7 @@
           <p:cNvPr id="4" name="Content Placeholder 3">
             <a:extLst>
               <a:ext uri="{FF2B5EF4-FFF2-40B4-BE49-F238E27FC236}">
-                <a16:creationId xmlns:a16="http://schemas.microsoft.com/office/drawing/2014/main" id="{7202E622-B867-491E-9F63-B6E882376441}"/>
+                <a16:creationId xmlns:a16="http://schemas.microsoft.com/office/drawing/2014/main" xmlns="" id="{7202E622-B867-491E-9F63-B6E882376441}"/>
               </a:ext>
             </a:extLst>
           </p:cNvPr>
@@ -1675,7 +1675,7 @@
           <p:cNvPr id="5" name="Text Placeholder 4">
             <a:extLst>
               <a:ext uri="{FF2B5EF4-FFF2-40B4-BE49-F238E27FC236}">
-                <a16:creationId xmlns:a16="http://schemas.microsoft.com/office/drawing/2014/main" id="{A0173F91-30B8-4366-8F48-7EA8369D1593}"/>
+                <a16:creationId xmlns:a16="http://schemas.microsoft.com/office/drawing/2014/main" xmlns="" id="{A0173F91-30B8-4366-8F48-7EA8369D1593}"/>
               </a:ext>
             </a:extLst>
           </p:cNvPr>
@@ -1746,7 +1746,7 @@
           <p:cNvPr id="6" name="Content Placeholder 5">
             <a:extLst>
               <a:ext uri="{FF2B5EF4-FFF2-40B4-BE49-F238E27FC236}">
-                <a16:creationId xmlns:a16="http://schemas.microsoft.com/office/drawing/2014/main" id="{F67A5B24-C4ED-46C0-BD0D-E5FECFD57E96}"/>
+                <a16:creationId xmlns:a16="http://schemas.microsoft.com/office/drawing/2014/main" xmlns="" id="{F67A5B24-C4ED-46C0-BD0D-E5FECFD57E96}"/>
               </a:ext>
             </a:extLst>
           </p:cNvPr>
@@ -1809,7 +1809,7 @@
           <p:cNvPr id="7" name="Date Placeholder 6">
             <a:extLst>
               <a:ext uri="{FF2B5EF4-FFF2-40B4-BE49-F238E27FC236}">
-                <a16:creationId xmlns:a16="http://schemas.microsoft.com/office/drawing/2014/main" id="{B17322DE-C3CC-4448-A4FF-053BB253F48A}"/>
+                <a16:creationId xmlns:a16="http://schemas.microsoft.com/office/drawing/2014/main" xmlns="" id="{B17322DE-C3CC-4448-A4FF-053BB253F48A}"/>
               </a:ext>
             </a:extLst>
           </p:cNvPr>
@@ -1838,7 +1838,7 @@
           <p:cNvPr id="8" name="Footer Placeholder 7">
             <a:extLst>
               <a:ext uri="{FF2B5EF4-FFF2-40B4-BE49-F238E27FC236}">
-                <a16:creationId xmlns:a16="http://schemas.microsoft.com/office/drawing/2014/main" id="{7EB614F8-0408-4E0C-A3A8-863FC82EE7CC}"/>
+                <a16:creationId xmlns:a16="http://schemas.microsoft.com/office/drawing/2014/main" xmlns="" id="{7EB614F8-0408-4E0C-A3A8-863FC82EE7CC}"/>
               </a:ext>
             </a:extLst>
           </p:cNvPr>
@@ -1863,7 +1863,7 @@
           <p:cNvPr id="9" name="Slide Number Placeholder 8">
             <a:extLst>
               <a:ext uri="{FF2B5EF4-FFF2-40B4-BE49-F238E27FC236}">
-                <a16:creationId xmlns:a16="http://schemas.microsoft.com/office/drawing/2014/main" id="{F7612F48-256D-4D2B-BD29-F2EEEA1A986B}"/>
+                <a16:creationId xmlns:a16="http://schemas.microsoft.com/office/drawing/2014/main" xmlns="" id="{F7612F48-256D-4D2B-BD29-F2EEEA1A986B}"/>
               </a:ext>
             </a:extLst>
           </p:cNvPr>
@@ -1922,7 +1922,7 @@
           <p:cNvPr id="2" name="Title 1">
             <a:extLst>
               <a:ext uri="{FF2B5EF4-FFF2-40B4-BE49-F238E27FC236}">
-                <a16:creationId xmlns:a16="http://schemas.microsoft.com/office/drawing/2014/main" id="{7C646D7B-E206-4705-9D7C-DA7ECFEF71A7}"/>
+                <a16:creationId xmlns:a16="http://schemas.microsoft.com/office/drawing/2014/main" xmlns="" id="{7C646D7B-E206-4705-9D7C-DA7ECFEF71A7}"/>
               </a:ext>
             </a:extLst>
           </p:cNvPr>
@@ -1951,7 +1951,7 @@
           <p:cNvPr id="3" name="Date Placeholder 2">
             <a:extLst>
               <a:ext uri="{FF2B5EF4-FFF2-40B4-BE49-F238E27FC236}">
-                <a16:creationId xmlns:a16="http://schemas.microsoft.com/office/drawing/2014/main" id="{46CDF6D0-180A-4677-AF8F-64DBE7593219}"/>
+                <a16:creationId xmlns:a16="http://schemas.microsoft.com/office/drawing/2014/main" xmlns="" id="{46CDF6D0-180A-4677-AF8F-64DBE7593219}"/>
               </a:ext>
             </a:extLst>
           </p:cNvPr>
@@ -1980,7 +1980,7 @@
           <p:cNvPr id="4" name="Footer Placeholder 3">
             <a:extLst>
               <a:ext uri="{FF2B5EF4-FFF2-40B4-BE49-F238E27FC236}">
-                <a16:creationId xmlns:a16="http://schemas.microsoft.com/office/drawing/2014/main" id="{9C8C4C86-F285-4E2E-B3A3-69A7E4ED8988}"/>
+                <a16:creationId xmlns:a16="http://schemas.microsoft.com/office/drawing/2014/main" xmlns="" id="{9C8C4C86-F285-4E2E-B3A3-69A7E4ED8988}"/>
               </a:ext>
             </a:extLst>
           </p:cNvPr>
@@ -2005,7 +2005,7 @@
           <p:cNvPr id="5" name="Slide Number Placeholder 4">
             <a:extLst>
               <a:ext uri="{FF2B5EF4-FFF2-40B4-BE49-F238E27FC236}">
-                <a16:creationId xmlns:a16="http://schemas.microsoft.com/office/drawing/2014/main" id="{62E9A5B2-15BB-4F11-BC39-1AADA3FAC4F8}"/>
+                <a16:creationId xmlns:a16="http://schemas.microsoft.com/office/drawing/2014/main" xmlns="" id="{62E9A5B2-15BB-4F11-BC39-1AADA3FAC4F8}"/>
               </a:ext>
             </a:extLst>
           </p:cNvPr>
@@ -2064,7 +2064,7 @@
           <p:cNvPr id="2" name="Date Placeholder 1">
             <a:extLst>
               <a:ext uri="{FF2B5EF4-FFF2-40B4-BE49-F238E27FC236}">
-                <a16:creationId xmlns:a16="http://schemas.microsoft.com/office/drawing/2014/main" id="{F4F0B74C-6E8C-4AD5-B68A-6CD8672372AA}"/>
+                <a16:creationId xmlns:a16="http://schemas.microsoft.com/office/drawing/2014/main" xmlns="" id="{F4F0B74C-6E8C-4AD5-B68A-6CD8672372AA}"/>
               </a:ext>
             </a:extLst>
           </p:cNvPr>
@@ -2093,7 +2093,7 @@
           <p:cNvPr id="3" name="Footer Placeholder 2">
             <a:extLst>
               <a:ext uri="{FF2B5EF4-FFF2-40B4-BE49-F238E27FC236}">
-                <a16:creationId xmlns:a16="http://schemas.microsoft.com/office/drawing/2014/main" id="{B88ED0C7-3327-49AE-A38F-E23B8E44C933}"/>
+                <a16:creationId xmlns:a16="http://schemas.microsoft.com/office/drawing/2014/main" xmlns="" id="{B88ED0C7-3327-49AE-A38F-E23B8E44C933}"/>
               </a:ext>
             </a:extLst>
           </p:cNvPr>
@@ -2118,7 +2118,7 @@
           <p:cNvPr id="4" name="Slide Number Placeholder 3">
             <a:extLst>
               <a:ext uri="{FF2B5EF4-FFF2-40B4-BE49-F238E27FC236}">
-                <a16:creationId xmlns:a16="http://schemas.microsoft.com/office/drawing/2014/main" id="{E1A95E08-FFBD-4CC1-BB47-9DCF085C34D3}"/>
+                <a16:creationId xmlns:a16="http://schemas.microsoft.com/office/drawing/2014/main" xmlns="" id="{E1A95E08-FFBD-4CC1-BB47-9DCF085C34D3}"/>
               </a:ext>
             </a:extLst>
           </p:cNvPr>
@@ -2177,7 +2177,7 @@
           <p:cNvPr id="2" name="Title 1">
             <a:extLst>
               <a:ext uri="{FF2B5EF4-FFF2-40B4-BE49-F238E27FC236}">
-                <a16:creationId xmlns:a16="http://schemas.microsoft.com/office/drawing/2014/main" id="{57239A85-4647-483C-862B-5666529F7015}"/>
+                <a16:creationId xmlns:a16="http://schemas.microsoft.com/office/drawing/2014/main" xmlns="" id="{57239A85-4647-483C-862B-5666529F7015}"/>
               </a:ext>
             </a:extLst>
           </p:cNvPr>
@@ -2215,7 +2215,7 @@
           <p:cNvPr id="3" name="Content Placeholder 2">
             <a:extLst>
               <a:ext uri="{FF2B5EF4-FFF2-40B4-BE49-F238E27FC236}">
-                <a16:creationId xmlns:a16="http://schemas.microsoft.com/office/drawing/2014/main" id="{F974AAA2-5AA0-456D-B880-677526ADAC54}"/>
+                <a16:creationId xmlns:a16="http://schemas.microsoft.com/office/drawing/2014/main" xmlns="" id="{F974AAA2-5AA0-456D-B880-677526ADAC54}"/>
               </a:ext>
             </a:extLst>
           </p:cNvPr>
@@ -2306,7 +2306,7 @@
           <p:cNvPr id="4" name="Text Placeholder 3">
             <a:extLst>
               <a:ext uri="{FF2B5EF4-FFF2-40B4-BE49-F238E27FC236}">
-                <a16:creationId xmlns:a16="http://schemas.microsoft.com/office/drawing/2014/main" id="{8872F285-ECBB-44AB-8DEC-6FFC60FE37DD}"/>
+                <a16:creationId xmlns:a16="http://schemas.microsoft.com/office/drawing/2014/main" xmlns="" id="{8872F285-ECBB-44AB-8DEC-6FFC60FE37DD}"/>
               </a:ext>
             </a:extLst>
           </p:cNvPr>
@@ -2377,7 +2377,7 @@
           <p:cNvPr id="5" name="Date Placeholder 4">
             <a:extLst>
               <a:ext uri="{FF2B5EF4-FFF2-40B4-BE49-F238E27FC236}">
-                <a16:creationId xmlns:a16="http://schemas.microsoft.com/office/drawing/2014/main" id="{6A343BDC-1BBD-4761-BFA0-F0471159A95E}"/>
+                <a16:creationId xmlns:a16="http://schemas.microsoft.com/office/drawing/2014/main" xmlns="" id="{6A343BDC-1BBD-4761-BFA0-F0471159A95E}"/>
               </a:ext>
             </a:extLst>
           </p:cNvPr>
@@ -2406,7 +2406,7 @@
           <p:cNvPr id="6" name="Footer Placeholder 5">
             <a:extLst>
               <a:ext uri="{FF2B5EF4-FFF2-40B4-BE49-F238E27FC236}">
-                <a16:creationId xmlns:a16="http://schemas.microsoft.com/office/drawing/2014/main" id="{804DDD2F-EFAA-4548-B914-5CC9359F36DD}"/>
+                <a16:creationId xmlns:a16="http://schemas.microsoft.com/office/drawing/2014/main" xmlns="" id="{804DDD2F-EFAA-4548-B914-5CC9359F36DD}"/>
               </a:ext>
             </a:extLst>
           </p:cNvPr>
@@ -2431,7 +2431,7 @@
           <p:cNvPr id="7" name="Slide Number Placeholder 6">
             <a:extLst>
               <a:ext uri="{FF2B5EF4-FFF2-40B4-BE49-F238E27FC236}">
-                <a16:creationId xmlns:a16="http://schemas.microsoft.com/office/drawing/2014/main" id="{63555BF6-A0C9-4681-BD28-CEC05B42C61F}"/>
+                <a16:creationId xmlns:a16="http://schemas.microsoft.com/office/drawing/2014/main" xmlns="" id="{63555BF6-A0C9-4681-BD28-CEC05B42C61F}"/>
               </a:ext>
             </a:extLst>
           </p:cNvPr>
@@ -2490,7 +2490,7 @@
           <p:cNvPr id="2" name="Title 1">
             <a:extLst>
               <a:ext uri="{FF2B5EF4-FFF2-40B4-BE49-F238E27FC236}">
-                <a16:creationId xmlns:a16="http://schemas.microsoft.com/office/drawing/2014/main" id="{38069C2D-9624-42E5-AA02-D974244AC1F9}"/>
+                <a16:creationId xmlns:a16="http://schemas.microsoft.com/office/drawing/2014/main" xmlns="" id="{38069C2D-9624-42E5-AA02-D974244AC1F9}"/>
               </a:ext>
             </a:extLst>
           </p:cNvPr>
@@ -2528,7 +2528,7 @@
           <p:cNvPr id="3" name="Picture Placeholder 2">
             <a:extLst>
               <a:ext uri="{FF2B5EF4-FFF2-40B4-BE49-F238E27FC236}">
-                <a16:creationId xmlns:a16="http://schemas.microsoft.com/office/drawing/2014/main" id="{D0B76F11-0E4A-4220-95D0-959558641DEB}"/>
+                <a16:creationId xmlns:a16="http://schemas.microsoft.com/office/drawing/2014/main" xmlns="" id="{D0B76F11-0E4A-4220-95D0-959558641DEB}"/>
               </a:ext>
             </a:extLst>
           </p:cNvPr>
@@ -2595,7 +2595,7 @@
           <p:cNvPr id="4" name="Text Placeholder 3">
             <a:extLst>
               <a:ext uri="{FF2B5EF4-FFF2-40B4-BE49-F238E27FC236}">
-                <a16:creationId xmlns:a16="http://schemas.microsoft.com/office/drawing/2014/main" id="{29ABD47D-FCB6-49CC-A019-CB4BACA10D8B}"/>
+                <a16:creationId xmlns:a16="http://schemas.microsoft.com/office/drawing/2014/main" xmlns="" id="{29ABD47D-FCB6-49CC-A019-CB4BACA10D8B}"/>
               </a:ext>
             </a:extLst>
           </p:cNvPr>
@@ -2666,7 +2666,7 @@
           <p:cNvPr id="5" name="Date Placeholder 4">
             <a:extLst>
               <a:ext uri="{FF2B5EF4-FFF2-40B4-BE49-F238E27FC236}">
-                <a16:creationId xmlns:a16="http://schemas.microsoft.com/office/drawing/2014/main" id="{9803E329-2530-4E3C-8197-3F96C56292DA}"/>
+                <a16:creationId xmlns:a16="http://schemas.microsoft.com/office/drawing/2014/main" xmlns="" id="{9803E329-2530-4E3C-8197-3F96C56292DA}"/>
               </a:ext>
             </a:extLst>
           </p:cNvPr>
@@ -2695,7 +2695,7 @@
           <p:cNvPr id="6" name="Footer Placeholder 5">
             <a:extLst>
               <a:ext uri="{FF2B5EF4-FFF2-40B4-BE49-F238E27FC236}">
-                <a16:creationId xmlns:a16="http://schemas.microsoft.com/office/drawing/2014/main" id="{3B98CEB3-D7D7-427F-8263-B3C440FCB34E}"/>
+                <a16:creationId xmlns:a16="http://schemas.microsoft.com/office/drawing/2014/main" xmlns="" id="{3B98CEB3-D7D7-427F-8263-B3C440FCB34E}"/>
               </a:ext>
             </a:extLst>
           </p:cNvPr>
@@ -2720,7 +2720,7 @@
           <p:cNvPr id="7" name="Slide Number Placeholder 6">
             <a:extLst>
               <a:ext uri="{FF2B5EF4-FFF2-40B4-BE49-F238E27FC236}">
-                <a16:creationId xmlns:a16="http://schemas.microsoft.com/office/drawing/2014/main" id="{607A16E9-F278-4DD3-BBCC-06990E032865}"/>
+                <a16:creationId xmlns:a16="http://schemas.microsoft.com/office/drawing/2014/main" xmlns="" id="{607A16E9-F278-4DD3-BBCC-06990E032865}"/>
               </a:ext>
             </a:extLst>
           </p:cNvPr>
@@ -2784,7 +2784,7 @@
           <p:cNvPr id="2" name="Title Placeholder 1">
             <a:extLst>
               <a:ext uri="{FF2B5EF4-FFF2-40B4-BE49-F238E27FC236}">
-                <a16:creationId xmlns:a16="http://schemas.microsoft.com/office/drawing/2014/main" id="{49E6DC73-C9C2-4245-AE90-10FD2BE19028}"/>
+                <a16:creationId xmlns:a16="http://schemas.microsoft.com/office/drawing/2014/main" xmlns="" id="{49E6DC73-C9C2-4245-AE90-10FD2BE19028}"/>
               </a:ext>
             </a:extLst>
           </p:cNvPr>
@@ -2823,7 +2823,7 @@
           <p:cNvPr id="3" name="Text Placeholder 2">
             <a:extLst>
               <a:ext uri="{FF2B5EF4-FFF2-40B4-BE49-F238E27FC236}">
-                <a16:creationId xmlns:a16="http://schemas.microsoft.com/office/drawing/2014/main" id="{61C4554C-09C3-48D7-B809-5F19078EDCBE}"/>
+                <a16:creationId xmlns:a16="http://schemas.microsoft.com/office/drawing/2014/main" xmlns="" id="{61C4554C-09C3-48D7-B809-5F19078EDCBE}"/>
               </a:ext>
             </a:extLst>
           </p:cNvPr>
@@ -2891,7 +2891,7 @@
           <p:cNvPr id="4" name="Date Placeholder 3">
             <a:extLst>
               <a:ext uri="{FF2B5EF4-FFF2-40B4-BE49-F238E27FC236}">
-                <a16:creationId xmlns:a16="http://schemas.microsoft.com/office/drawing/2014/main" id="{6DBA8643-3A15-4278-B443-962EC67F249D}"/>
+                <a16:creationId xmlns:a16="http://schemas.microsoft.com/office/drawing/2014/main" xmlns="" id="{6DBA8643-3A15-4278-B443-962EC67F249D}"/>
               </a:ext>
             </a:extLst>
           </p:cNvPr>
@@ -2938,7 +2938,7 @@
           <p:cNvPr id="5" name="Footer Placeholder 4">
             <a:extLst>
               <a:ext uri="{FF2B5EF4-FFF2-40B4-BE49-F238E27FC236}">
-                <a16:creationId xmlns:a16="http://schemas.microsoft.com/office/drawing/2014/main" id="{ED3E6F53-DAB7-4CB5-AD6B-2DEF94626E71}"/>
+                <a16:creationId xmlns:a16="http://schemas.microsoft.com/office/drawing/2014/main" xmlns="" id="{ED3E6F53-DAB7-4CB5-AD6B-2DEF94626E71}"/>
               </a:ext>
             </a:extLst>
           </p:cNvPr>
@@ -2981,7 +2981,7 @@
           <p:cNvPr id="6" name="Slide Number Placeholder 5">
             <a:extLst>
               <a:ext uri="{FF2B5EF4-FFF2-40B4-BE49-F238E27FC236}">
-                <a16:creationId xmlns:a16="http://schemas.microsoft.com/office/drawing/2014/main" id="{680905D9-5AC7-4603-B568-ECDA44F1E4F7}"/>
+                <a16:creationId xmlns:a16="http://schemas.microsoft.com/office/drawing/2014/main" xmlns="" id="{680905D9-5AC7-4603-B568-ECDA44F1E4F7}"/>
               </a:ext>
             </a:extLst>
           </p:cNvPr>
@@ -3349,7 +3349,7 @@
           <p:cNvPr id="2" name="Title 1">
             <a:extLst>
               <a:ext uri="{FF2B5EF4-FFF2-40B4-BE49-F238E27FC236}">
-                <a16:creationId xmlns:a16="http://schemas.microsoft.com/office/drawing/2014/main" id="{07CDC933-1BEB-49BF-B276-E353FFB0EC69}"/>
+                <a16:creationId xmlns:a16="http://schemas.microsoft.com/office/drawing/2014/main" xmlns="" id="{07CDC933-1BEB-49BF-B276-E353FFB0EC69}"/>
               </a:ext>
             </a:extLst>
           </p:cNvPr>
@@ -3400,7 +3400,7 @@
           <p:cNvPr id="3" name="Content Placeholder 2">
             <a:extLst>
               <a:ext uri="{FF2B5EF4-FFF2-40B4-BE49-F238E27FC236}">
-                <a16:creationId xmlns:a16="http://schemas.microsoft.com/office/drawing/2014/main" id="{D71AEF61-6219-49F5-929D-2286AF1F8A1C}"/>
+                <a16:creationId xmlns:a16="http://schemas.microsoft.com/office/drawing/2014/main" xmlns="" id="{D71AEF61-6219-49F5-929D-2286AF1F8A1C}"/>
               </a:ext>
             </a:extLst>
           </p:cNvPr>
@@ -3530,7 +3530,7 @@
           <p:cNvPr id="4" name="Title 1">
             <a:extLst>
               <a:ext uri="{FF2B5EF4-FFF2-40B4-BE49-F238E27FC236}">
-                <a16:creationId xmlns:a16="http://schemas.microsoft.com/office/drawing/2014/main" id="{819CF8D1-5D48-4B8E-8E3C-17F27745BB43}"/>
+                <a16:creationId xmlns:a16="http://schemas.microsoft.com/office/drawing/2014/main" xmlns="" id="{819CF8D1-5D48-4B8E-8E3C-17F27745BB43}"/>
               </a:ext>
             </a:extLst>
           </p:cNvPr>
@@ -3602,7 +3602,7 @@
           <p:cNvPr id="5" name="Title 1">
             <a:extLst>
               <a:ext uri="{FF2B5EF4-FFF2-40B4-BE49-F238E27FC236}">
-                <a16:creationId xmlns:a16="http://schemas.microsoft.com/office/drawing/2014/main" id="{2F52635C-5562-464F-9268-BF0961607223}"/>
+                <a16:creationId xmlns:a16="http://schemas.microsoft.com/office/drawing/2014/main" xmlns="" id="{2F52635C-5562-464F-9268-BF0961607223}"/>
               </a:ext>
             </a:extLst>
           </p:cNvPr>
@@ -3704,7 +3704,7 @@
           <p:cNvPr id="2" name="Title 1">
             <a:extLst>
               <a:ext uri="{FF2B5EF4-FFF2-40B4-BE49-F238E27FC236}">
-                <a16:creationId xmlns:a16="http://schemas.microsoft.com/office/drawing/2014/main" id="{07CDC933-1BEB-49BF-B276-E353FFB0EC69}"/>
+                <a16:creationId xmlns:a16="http://schemas.microsoft.com/office/drawing/2014/main" xmlns="" id="{07CDC933-1BEB-49BF-B276-E353FFB0EC69}"/>
               </a:ext>
             </a:extLst>
           </p:cNvPr>
@@ -3755,7 +3755,7 @@
           <p:cNvPr id="3" name="Content Placeholder 2">
             <a:extLst>
               <a:ext uri="{FF2B5EF4-FFF2-40B4-BE49-F238E27FC236}">
-                <a16:creationId xmlns:a16="http://schemas.microsoft.com/office/drawing/2014/main" id="{D71AEF61-6219-49F5-929D-2286AF1F8A1C}"/>
+                <a16:creationId xmlns:a16="http://schemas.microsoft.com/office/drawing/2014/main" xmlns="" id="{D71AEF61-6219-49F5-929D-2286AF1F8A1C}"/>
               </a:ext>
             </a:extLst>
           </p:cNvPr>
@@ -3832,20 +3832,12 @@
               </a:lnSpc>
             </a:pPr>
             <a:r>
-              <a:rPr lang="en-US" sz="1600" dirty="0" err="1"/>
-              <a:t>Wekipedia</a:t>
+              <a:rPr lang="en-US" sz="1600" dirty="0" smtClean="0"/>
+              <a:t>Wikipedia API </a:t>
             </a:r>
             <a:r>
               <a:rPr lang="en-US" sz="1600" dirty="0"/>
-              <a:t> </a:t>
-            </a:r>
-            <a:r>
-              <a:rPr lang="en-US" sz="1600" dirty="0" err="1"/>
-              <a:t>Api</a:t>
-            </a:r>
-            <a:r>
-              <a:rPr lang="en-US" sz="1600" dirty="0"/>
-              <a:t> to get some information about the city</a:t>
+              <a:t>to get some information about the city</a:t>
             </a:r>
           </a:p>
           <a:p>
@@ -3867,7 +3859,7 @@
           <p:cNvPr id="4" name="Title 1">
             <a:extLst>
               <a:ext uri="{FF2B5EF4-FFF2-40B4-BE49-F238E27FC236}">
-                <a16:creationId xmlns:a16="http://schemas.microsoft.com/office/drawing/2014/main" id="{819CF8D1-5D48-4B8E-8E3C-17F27745BB43}"/>
+                <a16:creationId xmlns:a16="http://schemas.microsoft.com/office/drawing/2014/main" xmlns="" id="{819CF8D1-5D48-4B8E-8E3C-17F27745BB43}"/>
               </a:ext>
             </a:extLst>
           </p:cNvPr>
@@ -3938,7 +3930,7 @@
           <p:cNvPr id="8" name="Title 1">
             <a:extLst>
               <a:ext uri="{FF2B5EF4-FFF2-40B4-BE49-F238E27FC236}">
-                <a16:creationId xmlns:a16="http://schemas.microsoft.com/office/drawing/2014/main" id="{8098820E-2379-413A-BF5B-DDF1687D76AE}"/>
+                <a16:creationId xmlns:a16="http://schemas.microsoft.com/office/drawing/2014/main" xmlns="" id="{8098820E-2379-413A-BF5B-DDF1687D76AE}"/>
               </a:ext>
             </a:extLst>
           </p:cNvPr>
@@ -4010,7 +4002,7 @@
           <p:cNvPr id="9" name="Content Placeholder 2">
             <a:extLst>
               <a:ext uri="{FF2B5EF4-FFF2-40B4-BE49-F238E27FC236}">
-                <a16:creationId xmlns:a16="http://schemas.microsoft.com/office/drawing/2014/main" id="{304AD464-0DDF-4F7B-A99C-B80DF85F7D5B}"/>
+                <a16:creationId xmlns:a16="http://schemas.microsoft.com/office/drawing/2014/main" xmlns="" id="{304AD464-0DDF-4F7B-A99C-B80DF85F7D5B}"/>
               </a:ext>
             </a:extLst>
           </p:cNvPr>
@@ -4221,12 +4213,16 @@
               <a:t>Using </a:t>
             </a:r>
             <a:r>
-              <a:rPr lang="en-US" sz="1800" dirty="0" err="1"/>
-              <a:t>Tailwindcss</a:t>
+              <a:rPr lang="en-US" sz="1800" dirty="0" err="1" smtClean="0"/>
+              <a:t>TailwindCSS</a:t>
+            </a:r>
+            <a:r>
+              <a:rPr lang="en-US" sz="1800" dirty="0" smtClean="0"/>
+              <a:t> </a:t>
             </a:r>
             <a:r>
               <a:rPr lang="en-US" sz="1800" dirty="0"/>
-              <a:t> for the first time to design our page.</a:t>
+              <a:t>for the first time to design our page.</a:t>
             </a:r>
           </a:p>
           <a:p>
@@ -4240,12 +4236,12 @@
               <a:t>Using multiple </a:t>
             </a:r>
             <a:r>
-              <a:rPr lang="en-US" sz="1800" dirty="0" err="1"/>
-              <a:t>Apis</a:t>
+              <a:rPr lang="en-US" sz="1800" dirty="0" smtClean="0"/>
+              <a:t>APIs </a:t>
             </a:r>
             <a:r>
               <a:rPr lang="en-US" sz="1800" dirty="0"/>
-              <a:t> to save and manage huge data locally.</a:t>
+              <a:t>to save and manage huge data locally.</a:t>
             </a:r>
           </a:p>
         </p:txBody>
@@ -4285,7 +4281,7 @@
           <p:cNvPr id="25" name="Rectangle 24">
             <a:extLst>
               <a:ext uri="{FF2B5EF4-FFF2-40B4-BE49-F238E27FC236}">
-                <a16:creationId xmlns:a16="http://schemas.microsoft.com/office/drawing/2014/main" id="{E3468AE5-6819-4533-A2C8-AF0E081E6F9B}"/>
+                <a16:creationId xmlns:a16="http://schemas.microsoft.com/office/drawing/2014/main" xmlns="" id="{E3468AE5-6819-4533-A2C8-AF0E081E6F9B}"/>
               </a:ext>
             </a:extLst>
           </p:cNvPr>
@@ -4331,7 +4327,7 @@
           <p:cNvPr id="8" name="Rectangle 7">
             <a:extLst>
               <a:ext uri="{FF2B5EF4-FFF2-40B4-BE49-F238E27FC236}">
-                <a16:creationId xmlns:a16="http://schemas.microsoft.com/office/drawing/2014/main" id="{4EECC703-24F0-4001-8A09-B2EAC50E6A03}"/>
+                <a16:creationId xmlns:a16="http://schemas.microsoft.com/office/drawing/2014/main" xmlns="" id="{4EECC703-24F0-4001-8A09-B2EAC50E6A03}"/>
               </a:ext>
             </a:extLst>
           </p:cNvPr>
@@ -4380,7 +4376,7 @@
           <p:cNvPr id="9" name="Rectangle 8">
             <a:extLst>
               <a:ext uri="{FF2B5EF4-FFF2-40B4-BE49-F238E27FC236}">
-                <a16:creationId xmlns:a16="http://schemas.microsoft.com/office/drawing/2014/main" id="{E973B028-9094-45D7-9178-9FB804967F66}"/>
+                <a16:creationId xmlns:a16="http://schemas.microsoft.com/office/drawing/2014/main" xmlns="" id="{E973B028-9094-45D7-9178-9FB804967F66}"/>
               </a:ext>
             </a:extLst>
           </p:cNvPr>
@@ -4426,7 +4422,7 @@
           <p:cNvPr id="14" name="Rectangle 13">
             <a:extLst>
               <a:ext uri="{FF2B5EF4-FFF2-40B4-BE49-F238E27FC236}">
-                <a16:creationId xmlns:a16="http://schemas.microsoft.com/office/drawing/2014/main" id="{2F6D9950-948D-4A94-AA05-490E87D4F54E}"/>
+                <a16:creationId xmlns:a16="http://schemas.microsoft.com/office/drawing/2014/main" xmlns="" id="{2F6D9950-948D-4A94-AA05-490E87D4F54E}"/>
               </a:ext>
             </a:extLst>
           </p:cNvPr>
@@ -4476,7 +4472,7 @@
           <p:cNvPr id="15" name="Rectangle 14">
             <a:extLst>
               <a:ext uri="{FF2B5EF4-FFF2-40B4-BE49-F238E27FC236}">
-                <a16:creationId xmlns:a16="http://schemas.microsoft.com/office/drawing/2014/main" id="{E567B972-DD30-4974-B642-9FD0DB7CC8E0}"/>
+                <a16:creationId xmlns:a16="http://schemas.microsoft.com/office/drawing/2014/main" xmlns="" id="{E567B972-DD30-4974-B642-9FD0DB7CC8E0}"/>
               </a:ext>
             </a:extLst>
           </p:cNvPr>
@@ -4524,7 +4520,7 @@
           <p:cNvPr id="16" name="Rectangle 15">
             <a:extLst>
               <a:ext uri="{FF2B5EF4-FFF2-40B4-BE49-F238E27FC236}">
-                <a16:creationId xmlns:a16="http://schemas.microsoft.com/office/drawing/2014/main" id="{4BAAA3D6-DAB7-4E04-A6E5-7253083F5AB9}"/>
+                <a16:creationId xmlns:a16="http://schemas.microsoft.com/office/drawing/2014/main" xmlns="" id="{4BAAA3D6-DAB7-4E04-A6E5-7253083F5AB9}"/>
               </a:ext>
             </a:extLst>
           </p:cNvPr>
@@ -4572,7 +4568,7 @@
           <p:cNvPr id="17" name="Rectangle 16">
             <a:extLst>
               <a:ext uri="{FF2B5EF4-FFF2-40B4-BE49-F238E27FC236}">
-                <a16:creationId xmlns:a16="http://schemas.microsoft.com/office/drawing/2014/main" id="{26608C08-F4C2-4614-894C-38BE61AC07CF}"/>
+                <a16:creationId xmlns:a16="http://schemas.microsoft.com/office/drawing/2014/main" xmlns="" id="{26608C08-F4C2-4614-894C-38BE61AC07CF}"/>
               </a:ext>
             </a:extLst>
           </p:cNvPr>
@@ -4653,7 +4649,7 @@
           <p:cNvPr id="18" name="Rectangle 17">
             <a:extLst>
               <a:ext uri="{FF2B5EF4-FFF2-40B4-BE49-F238E27FC236}">
-                <a16:creationId xmlns:a16="http://schemas.microsoft.com/office/drawing/2014/main" id="{C4866E3E-425E-4720-B2BB-20736EDED8C9}"/>
+                <a16:creationId xmlns:a16="http://schemas.microsoft.com/office/drawing/2014/main" xmlns="" id="{C4866E3E-425E-4720-B2BB-20736EDED8C9}"/>
               </a:ext>
             </a:extLst>
           </p:cNvPr>
@@ -4701,7 +4697,7 @@
           <p:cNvPr id="19" name="Rectangle 18">
             <a:extLst>
               <a:ext uri="{FF2B5EF4-FFF2-40B4-BE49-F238E27FC236}">
-                <a16:creationId xmlns:a16="http://schemas.microsoft.com/office/drawing/2014/main" id="{F069B8B0-3B0D-4CF9-B5B3-99DE7393EE24}"/>
+                <a16:creationId xmlns:a16="http://schemas.microsoft.com/office/drawing/2014/main" xmlns="" id="{F069B8B0-3B0D-4CF9-B5B3-99DE7393EE24}"/>
               </a:ext>
             </a:extLst>
           </p:cNvPr>
@@ -4749,7 +4745,7 @@
           <p:cNvPr id="20" name="Rectangle 19">
             <a:extLst>
               <a:ext uri="{FF2B5EF4-FFF2-40B4-BE49-F238E27FC236}">
-                <a16:creationId xmlns:a16="http://schemas.microsoft.com/office/drawing/2014/main" id="{DD5E0C6E-1627-4FBA-9E88-736F237EBEC0}"/>
+                <a16:creationId xmlns:a16="http://schemas.microsoft.com/office/drawing/2014/main" xmlns="" id="{DD5E0C6E-1627-4FBA-9E88-736F237EBEC0}"/>
               </a:ext>
             </a:extLst>
           </p:cNvPr>
@@ -4804,7 +4800,7 @@
           <p:cNvPr id="22" name="Rectangle 21">
             <a:extLst>
               <a:ext uri="{FF2B5EF4-FFF2-40B4-BE49-F238E27FC236}">
-                <a16:creationId xmlns:a16="http://schemas.microsoft.com/office/drawing/2014/main" id="{BF3E5E18-E8CC-488E-843A-65168186C8FB}"/>
+                <a16:creationId xmlns:a16="http://schemas.microsoft.com/office/drawing/2014/main" xmlns="" id="{BF3E5E18-E8CC-488E-843A-65168186C8FB}"/>
               </a:ext>
             </a:extLst>
           </p:cNvPr>
@@ -4854,7 +4850,7 @@
           <p:cNvPr id="23" name="Rectangle 22">
             <a:extLst>
               <a:ext uri="{FF2B5EF4-FFF2-40B4-BE49-F238E27FC236}">
-                <a16:creationId xmlns:a16="http://schemas.microsoft.com/office/drawing/2014/main" id="{DBA6508B-B421-46D7-9F6D-F4558F1AF575}"/>
+                <a16:creationId xmlns:a16="http://schemas.microsoft.com/office/drawing/2014/main" xmlns="" id="{DBA6508B-B421-46D7-9F6D-F4558F1AF575}"/>
               </a:ext>
             </a:extLst>
           </p:cNvPr>
@@ -4902,7 +4898,7 @@
           <p:cNvPr id="24" name="Rectangle 23">
             <a:extLst>
               <a:ext uri="{FF2B5EF4-FFF2-40B4-BE49-F238E27FC236}">
-                <a16:creationId xmlns:a16="http://schemas.microsoft.com/office/drawing/2014/main" id="{787FF64C-DC26-4D33-BA7B-4B5718BFB39D}"/>
+                <a16:creationId xmlns:a16="http://schemas.microsoft.com/office/drawing/2014/main" xmlns="" id="{787FF64C-DC26-4D33-BA7B-4B5718BFB39D}"/>
               </a:ext>
             </a:extLst>
           </p:cNvPr>
@@ -4950,7 +4946,7 @@
           <p:cNvPr id="26" name="Rectangle 25">
             <a:extLst>
               <a:ext uri="{FF2B5EF4-FFF2-40B4-BE49-F238E27FC236}">
-                <a16:creationId xmlns:a16="http://schemas.microsoft.com/office/drawing/2014/main" id="{CE495592-0E6B-489E-9781-BD45DB692FFF}"/>
+                <a16:creationId xmlns:a16="http://schemas.microsoft.com/office/drawing/2014/main" xmlns="" id="{CE495592-0E6B-489E-9781-BD45DB692FFF}"/>
               </a:ext>
             </a:extLst>
           </p:cNvPr>
@@ -4998,7 +4994,7 @@
           <p:cNvPr id="27" name="Rectangle 26">
             <a:extLst>
               <a:ext uri="{FF2B5EF4-FFF2-40B4-BE49-F238E27FC236}">
-                <a16:creationId xmlns:a16="http://schemas.microsoft.com/office/drawing/2014/main" id="{07D41553-52D1-4D0F-95E4-F27EF5DD3DCF}"/>
+                <a16:creationId xmlns:a16="http://schemas.microsoft.com/office/drawing/2014/main" xmlns="" id="{07D41553-52D1-4D0F-95E4-F27EF5DD3DCF}"/>
               </a:ext>
             </a:extLst>
           </p:cNvPr>
@@ -5046,7 +5042,7 @@
           <p:cNvPr id="28" name="Rectangle 27">
             <a:extLst>
               <a:ext uri="{FF2B5EF4-FFF2-40B4-BE49-F238E27FC236}">
-                <a16:creationId xmlns:a16="http://schemas.microsoft.com/office/drawing/2014/main" id="{C805BAA5-C6EC-4572-966F-3CC5A8F9AA6E}"/>
+                <a16:creationId xmlns:a16="http://schemas.microsoft.com/office/drawing/2014/main" xmlns="" id="{C805BAA5-C6EC-4572-966F-3CC5A8F9AA6E}"/>
               </a:ext>
             </a:extLst>
           </p:cNvPr>
@@ -5094,7 +5090,7 @@
           <p:cNvPr id="29" name="Rectangle 28">
             <a:extLst>
               <a:ext uri="{FF2B5EF4-FFF2-40B4-BE49-F238E27FC236}">
-                <a16:creationId xmlns:a16="http://schemas.microsoft.com/office/drawing/2014/main" id="{94C6B19B-0C21-4080-B94F-941C2F2D0BEB}"/>
+                <a16:creationId xmlns:a16="http://schemas.microsoft.com/office/drawing/2014/main" xmlns="" id="{94C6B19B-0C21-4080-B94F-941C2F2D0BEB}"/>
               </a:ext>
             </a:extLst>
           </p:cNvPr>
@@ -5144,7 +5140,7 @@
           <p:cNvPr id="30" name="Rectangle 29">
             <a:extLst>
               <a:ext uri="{FF2B5EF4-FFF2-40B4-BE49-F238E27FC236}">
-                <a16:creationId xmlns:a16="http://schemas.microsoft.com/office/drawing/2014/main" id="{570751A3-66EB-499A-8E1F-0FC46BD0EC1A}"/>
+                <a16:creationId xmlns:a16="http://schemas.microsoft.com/office/drawing/2014/main" xmlns="" id="{570751A3-66EB-499A-8E1F-0FC46BD0EC1A}"/>
               </a:ext>
             </a:extLst>
           </p:cNvPr>
@@ -5192,7 +5188,7 @@
           <p:cNvPr id="36" name="Rectangle 35">
             <a:extLst>
               <a:ext uri="{FF2B5EF4-FFF2-40B4-BE49-F238E27FC236}">
-                <a16:creationId xmlns:a16="http://schemas.microsoft.com/office/drawing/2014/main" id="{3FF18697-C856-4B57-88ED-343186F755AB}"/>
+                <a16:creationId xmlns:a16="http://schemas.microsoft.com/office/drawing/2014/main" xmlns="" id="{3FF18697-C856-4B57-88ED-343186F755AB}"/>
               </a:ext>
             </a:extLst>
           </p:cNvPr>
@@ -5236,7 +5232,7 @@
           <p:cNvPr id="37" name="Rectangle 36">
             <a:extLst>
               <a:ext uri="{FF2B5EF4-FFF2-40B4-BE49-F238E27FC236}">
-                <a16:creationId xmlns:a16="http://schemas.microsoft.com/office/drawing/2014/main" id="{EE8D80D7-A4D1-43BC-8F51-5027C3ED2345}"/>
+                <a16:creationId xmlns:a16="http://schemas.microsoft.com/office/drawing/2014/main" xmlns="" id="{EE8D80D7-A4D1-43BC-8F51-5027C3ED2345}"/>
               </a:ext>
             </a:extLst>
           </p:cNvPr>
@@ -5282,7 +5278,7 @@
           <p:cNvPr id="38" name="Rectangle 37">
             <a:extLst>
               <a:ext uri="{FF2B5EF4-FFF2-40B4-BE49-F238E27FC236}">
-                <a16:creationId xmlns:a16="http://schemas.microsoft.com/office/drawing/2014/main" id="{8F4FA470-2DBD-4E77-860C-80606C2AA7EC}"/>
+                <a16:creationId xmlns:a16="http://schemas.microsoft.com/office/drawing/2014/main" xmlns="" id="{8F4FA470-2DBD-4E77-860C-80606C2AA7EC}"/>
               </a:ext>
             </a:extLst>
           </p:cNvPr>
@@ -5328,7 +5324,7 @@
           <p:cNvPr id="39" name="Rectangle 38">
             <a:extLst>
               <a:ext uri="{FF2B5EF4-FFF2-40B4-BE49-F238E27FC236}">
-                <a16:creationId xmlns:a16="http://schemas.microsoft.com/office/drawing/2014/main" id="{71AF609D-D376-4ECC-B36D-B59923F4A20C}"/>
+                <a16:creationId xmlns:a16="http://schemas.microsoft.com/office/drawing/2014/main" xmlns="" id="{71AF609D-D376-4ECC-B36D-B59923F4A20C}"/>
               </a:ext>
             </a:extLst>
           </p:cNvPr>
@@ -5374,7 +5370,7 @@
           <p:cNvPr id="40" name="Arrow: Chevron 39">
             <a:extLst>
               <a:ext uri="{FF2B5EF4-FFF2-40B4-BE49-F238E27FC236}">
-                <a16:creationId xmlns:a16="http://schemas.microsoft.com/office/drawing/2014/main" id="{423CF934-259C-442A-B012-616BCDF2397A}"/>
+                <a16:creationId xmlns:a16="http://schemas.microsoft.com/office/drawing/2014/main" xmlns="" id="{423CF934-259C-442A-B012-616BCDF2397A}"/>
               </a:ext>
             </a:extLst>
           </p:cNvPr>
@@ -5424,7 +5420,7 @@
           <p:cNvPr id="41" name="Arrow: Chevron 40">
             <a:extLst>
               <a:ext uri="{FF2B5EF4-FFF2-40B4-BE49-F238E27FC236}">
-                <a16:creationId xmlns:a16="http://schemas.microsoft.com/office/drawing/2014/main" id="{507E4DF2-18B9-4FAF-AD80-4807469B220F}"/>
+                <a16:creationId xmlns:a16="http://schemas.microsoft.com/office/drawing/2014/main" xmlns="" id="{507E4DF2-18B9-4FAF-AD80-4807469B220F}"/>
               </a:ext>
             </a:extLst>
           </p:cNvPr>
@@ -5474,7 +5470,7 @@
           <p:cNvPr id="42" name="Rectangle 41">
             <a:extLst>
               <a:ext uri="{FF2B5EF4-FFF2-40B4-BE49-F238E27FC236}">
-                <a16:creationId xmlns:a16="http://schemas.microsoft.com/office/drawing/2014/main" id="{F6944E3F-E8CD-4D42-B01B-39D4F315A25D}"/>
+                <a16:creationId xmlns:a16="http://schemas.microsoft.com/office/drawing/2014/main" xmlns="" id="{F6944E3F-E8CD-4D42-B01B-39D4F315A25D}"/>
               </a:ext>
             </a:extLst>
           </p:cNvPr>
@@ -5518,7 +5514,7 @@
           <p:cNvPr id="43" name="Rectangle 42">
             <a:extLst>
               <a:ext uri="{FF2B5EF4-FFF2-40B4-BE49-F238E27FC236}">
-                <a16:creationId xmlns:a16="http://schemas.microsoft.com/office/drawing/2014/main" id="{9B78045B-44AF-452D-B6E4-1EF4AE05A6C5}"/>
+                <a16:creationId xmlns:a16="http://schemas.microsoft.com/office/drawing/2014/main" xmlns="" id="{9B78045B-44AF-452D-B6E4-1EF4AE05A6C5}"/>
               </a:ext>
             </a:extLst>
           </p:cNvPr>
@@ -5564,7 +5560,7 @@
           <p:cNvPr id="44" name="Rectangle 43">
             <a:extLst>
               <a:ext uri="{FF2B5EF4-FFF2-40B4-BE49-F238E27FC236}">
-                <a16:creationId xmlns:a16="http://schemas.microsoft.com/office/drawing/2014/main" id="{3B6EF912-7D9B-404C-99DE-988676A76AB5}"/>
+                <a16:creationId xmlns:a16="http://schemas.microsoft.com/office/drawing/2014/main" xmlns="" id="{3B6EF912-7D9B-404C-99DE-988676A76AB5}"/>
               </a:ext>
             </a:extLst>
           </p:cNvPr>
@@ -5610,7 +5606,7 @@
           <p:cNvPr id="45" name="Rectangle 44">
             <a:extLst>
               <a:ext uri="{FF2B5EF4-FFF2-40B4-BE49-F238E27FC236}">
-                <a16:creationId xmlns:a16="http://schemas.microsoft.com/office/drawing/2014/main" id="{FEC34CD7-6BC4-4E58-8F9A-48A719429AFE}"/>
+                <a16:creationId xmlns:a16="http://schemas.microsoft.com/office/drawing/2014/main" xmlns="" id="{FEC34CD7-6BC4-4E58-8F9A-48A719429AFE}"/>
               </a:ext>
             </a:extLst>
           </p:cNvPr>
@@ -5656,7 +5652,7 @@
           <p:cNvPr id="46" name="Arrow: Chevron 45">
             <a:extLst>
               <a:ext uri="{FF2B5EF4-FFF2-40B4-BE49-F238E27FC236}">
-                <a16:creationId xmlns:a16="http://schemas.microsoft.com/office/drawing/2014/main" id="{9E278E06-46C0-48BC-975B-ABADAA4E1D4F}"/>
+                <a16:creationId xmlns:a16="http://schemas.microsoft.com/office/drawing/2014/main" xmlns="" id="{9E278E06-46C0-48BC-975B-ABADAA4E1D4F}"/>
               </a:ext>
             </a:extLst>
           </p:cNvPr>
@@ -5706,7 +5702,7 @@
           <p:cNvPr id="47" name="Arrow: Chevron 46">
             <a:extLst>
               <a:ext uri="{FF2B5EF4-FFF2-40B4-BE49-F238E27FC236}">
-                <a16:creationId xmlns:a16="http://schemas.microsoft.com/office/drawing/2014/main" id="{19F0E0B6-BCA9-4A31-9EB6-8F1E4A5B69B1}"/>
+                <a16:creationId xmlns:a16="http://schemas.microsoft.com/office/drawing/2014/main" xmlns="" id="{19F0E0B6-BCA9-4A31-9EB6-8F1E4A5B69B1}"/>
               </a:ext>
             </a:extLst>
           </p:cNvPr>
@@ -5756,7 +5752,7 @@
           <p:cNvPr id="48" name="Rectangle 47">
             <a:extLst>
               <a:ext uri="{FF2B5EF4-FFF2-40B4-BE49-F238E27FC236}">
-                <a16:creationId xmlns:a16="http://schemas.microsoft.com/office/drawing/2014/main" id="{3FBC06D1-75B8-41BE-8BB7-026658B15877}"/>
+                <a16:creationId xmlns:a16="http://schemas.microsoft.com/office/drawing/2014/main" xmlns="" id="{3FBC06D1-75B8-41BE-8BB7-026658B15877}"/>
               </a:ext>
             </a:extLst>
           </p:cNvPr>
@@ -5804,7 +5800,7 @@
           <p:cNvPr id="49" name="Rectangle 48">
             <a:extLst>
               <a:ext uri="{FF2B5EF4-FFF2-40B4-BE49-F238E27FC236}">
-                <a16:creationId xmlns:a16="http://schemas.microsoft.com/office/drawing/2014/main" id="{950181E8-662A-4226-8712-E55F0BDA0299}"/>
+                <a16:creationId xmlns:a16="http://schemas.microsoft.com/office/drawing/2014/main" xmlns="" id="{950181E8-662A-4226-8712-E55F0BDA0299}"/>
               </a:ext>
             </a:extLst>
           </p:cNvPr>
@@ -5848,7 +5844,7 @@
           <p:cNvPr id="50" name="Rectangle 49">
             <a:extLst>
               <a:ext uri="{FF2B5EF4-FFF2-40B4-BE49-F238E27FC236}">
-                <a16:creationId xmlns:a16="http://schemas.microsoft.com/office/drawing/2014/main" id="{5F54138B-F709-4ABC-A534-06FAD8A4422B}"/>
+                <a16:creationId xmlns:a16="http://schemas.microsoft.com/office/drawing/2014/main" xmlns="" id="{5F54138B-F709-4ABC-A534-06FAD8A4422B}"/>
               </a:ext>
             </a:extLst>
           </p:cNvPr>
@@ -5896,7 +5892,7 @@
           <p:cNvPr id="51" name="Rectangle 50">
             <a:extLst>
               <a:ext uri="{FF2B5EF4-FFF2-40B4-BE49-F238E27FC236}">
-                <a16:creationId xmlns:a16="http://schemas.microsoft.com/office/drawing/2014/main" id="{0B482203-938E-46A9-BB34-79EF95A9E513}"/>
+                <a16:creationId xmlns:a16="http://schemas.microsoft.com/office/drawing/2014/main" xmlns="" id="{0B482203-938E-46A9-BB34-79EF95A9E513}"/>
               </a:ext>
             </a:extLst>
           </p:cNvPr>
@@ -5944,7 +5940,7 @@
           <p:cNvPr id="52" name="Rectangle 51">
             <a:extLst>
               <a:ext uri="{FF2B5EF4-FFF2-40B4-BE49-F238E27FC236}">
-                <a16:creationId xmlns:a16="http://schemas.microsoft.com/office/drawing/2014/main" id="{346E0E8F-E0C4-4D8D-9B67-C5DB00F67AA0}"/>
+                <a16:creationId xmlns:a16="http://schemas.microsoft.com/office/drawing/2014/main" xmlns="" id="{346E0E8F-E0C4-4D8D-9B67-C5DB00F67AA0}"/>
               </a:ext>
             </a:extLst>
           </p:cNvPr>
@@ -5999,7 +5995,7 @@
           <p:cNvPr id="53" name="Rectangle 52">
             <a:extLst>
               <a:ext uri="{FF2B5EF4-FFF2-40B4-BE49-F238E27FC236}">
-                <a16:creationId xmlns:a16="http://schemas.microsoft.com/office/drawing/2014/main" id="{C35B6000-9E2A-4DF1-B577-09C3D3CCC5AE}"/>
+                <a16:creationId xmlns:a16="http://schemas.microsoft.com/office/drawing/2014/main" xmlns="" id="{C35B6000-9E2A-4DF1-B577-09C3D3CCC5AE}"/>
               </a:ext>
             </a:extLst>
           </p:cNvPr>
@@ -6344,7 +6340,7 @@
   <a:extraClrSchemeLst/>
   <a:extLst>
     <a:ext uri="{05A4C25C-085E-4340-85A3-A5531E510DB2}">
-      <thm15:themeFamily xmlns:thm15="http://schemas.microsoft.com/office/thememl/2012/main" name="Office Theme" id="{62F939B6-93AF-4DB8-9C6B-D6C7DFDC589F}" vid="{4A3C46E8-61CC-4603-A589-7422A47A8E4A}"/>
+      <thm15:themeFamily xmlns:thm15="http://schemas.microsoft.com/office/thememl/2012/main" xmlns="" name="Office Theme" id="{62F939B6-93AF-4DB8-9C6B-D6C7DFDC589F}" vid="{4A3C46E8-61CC-4603-A589-7422A47A8E4A}"/>
     </a:ext>
   </a:extLst>
 </a:theme>
